--- a/ABC Group L.pptx
+++ b/ABC Group L.pptx
@@ -5,7 +5,7 @@
     <p:sldMasterId id="2147483648" r:id="rId1"/>
   </p:sldMasterIdLst>
   <p:notesMasterIdLst>
-    <p:notesMasterId r:id="rId12"/>
+    <p:notesMasterId r:id="rId13"/>
   </p:notesMasterIdLst>
   <p:sldIdLst>
     <p:sldId id="274" r:id="rId2"/>
@@ -15,9 +15,10 @@
     <p:sldId id="276" r:id="rId6"/>
     <p:sldId id="277" r:id="rId7"/>
     <p:sldId id="291" r:id="rId8"/>
-    <p:sldId id="259" r:id="rId9"/>
-    <p:sldId id="289" r:id="rId10"/>
-    <p:sldId id="272" r:id="rId11"/>
+    <p:sldId id="292" r:id="rId9"/>
+    <p:sldId id="259" r:id="rId10"/>
+    <p:sldId id="289" r:id="rId11"/>
+    <p:sldId id="272" r:id="rId12"/>
   </p:sldIdLst>
   <p:sldSz cx="12192000" cy="6858000"/>
   <p:notesSz cx="6858000" cy="9144000"/>
@@ -1050,7 +1051,7 @@
           <a:pPr algn="l"/>
           <a:r>
             <a:rPr lang="fr-FR" sz="2400" b="1" dirty="0" smtClean="0"/>
-            <a:t>GIT-HUB REPOSITORY</a:t>
+            <a:t>REPOSITORY</a:t>
           </a:r>
           <a:endParaRPr lang="fr-FR" sz="2400" b="1" dirty="0"/>
         </a:p>
@@ -1714,7 +1715,7 @@
           </a:pPr>
           <a:r>
             <a:rPr lang="fr-FR" sz="2400" b="1" kern="1200" dirty="0" smtClean="0"/>
-            <a:t>GIT-HUB REPOSITORY</a:t>
+            <a:t>REPOSITORY</a:t>
           </a:r>
           <a:endParaRPr lang="fr-FR" sz="2400" b="1" kern="1200" dirty="0"/>
         </a:p>
@@ -4165,7 +4166,7 @@
           <a:p>
             <a:fld id="{FEB98140-C36D-42FB-B1DF-A523C6E5C1BC}" type="datetimeFigureOut">
               <a:rPr lang="fr-FR" smtClean="0"/>
-              <a:t>02/12/2022</a:t>
+              <a:t>03/12/2022</a:t>
             </a:fld>
             <a:endParaRPr lang="fr-FR"/>
           </a:p>
@@ -4517,6 +4518,90 @@
 </p:notes>
 </file>
 
+<file path=ppt/notesSlides/notesSlide10.xml><?xml version="1.0" encoding="utf-8"?>
+<p:notes xmlns:a="http://schemas.openxmlformats.org/drawingml/2006/main" xmlns:r="http://schemas.openxmlformats.org/officeDocument/2006/relationships" xmlns:p="http://schemas.openxmlformats.org/presentationml/2006/main">
+  <p:cSld>
+    <p:spTree>
+      <p:nvGrpSpPr>
+        <p:cNvPr id="1" name=""/>
+        <p:cNvGrpSpPr/>
+        <p:nvPr/>
+      </p:nvGrpSpPr>
+      <p:grpSpPr>
+        <a:xfrm>
+          <a:off x="0" y="0"/>
+          <a:ext cx="0" cy="0"/>
+          <a:chOff x="0" y="0"/>
+          <a:chExt cx="0" cy="0"/>
+        </a:xfrm>
+      </p:grpSpPr>
+      <p:sp>
+        <p:nvSpPr>
+          <p:cNvPr id="2" name="Espace réservé de l'image des diapositives 1"/>
+          <p:cNvSpPr>
+            <a:spLocks noGrp="1" noRot="1" noChangeAspect="1"/>
+          </p:cNvSpPr>
+          <p:nvPr>
+            <p:ph type="sldImg"/>
+          </p:nvPr>
+        </p:nvSpPr>
+        <p:spPr/>
+      </p:sp>
+      <p:sp>
+        <p:nvSpPr>
+          <p:cNvPr id="3" name="Espace réservé des notes 2"/>
+          <p:cNvSpPr>
+            <a:spLocks noGrp="1"/>
+          </p:cNvSpPr>
+          <p:nvPr>
+            <p:ph type="body" idx="1"/>
+          </p:nvPr>
+        </p:nvSpPr>
+        <p:spPr/>
+        <p:txBody>
+          <a:bodyPr/>
+          <a:lstStyle/>
+          <a:p>
+            <a:endParaRPr lang="fr-FR" dirty="0"/>
+          </a:p>
+        </p:txBody>
+      </p:sp>
+      <p:sp>
+        <p:nvSpPr>
+          <p:cNvPr id="4" name="Espace réservé du numéro de diapositive 3"/>
+          <p:cNvSpPr>
+            <a:spLocks noGrp="1"/>
+          </p:cNvSpPr>
+          <p:nvPr>
+            <p:ph type="sldNum" sz="quarter" idx="10"/>
+          </p:nvPr>
+        </p:nvSpPr>
+        <p:spPr/>
+        <p:txBody>
+          <a:bodyPr/>
+          <a:lstStyle/>
+          <a:p>
+            <a:fld id="{01B3F8FB-7429-4C74-B6EC-2671CF83CEEC}" type="slidenum">
+              <a:rPr lang="fr-FR" smtClean="0"/>
+              <a:t>10</a:t>
+            </a:fld>
+            <a:endParaRPr lang="fr-FR"/>
+          </a:p>
+        </p:txBody>
+      </p:sp>
+    </p:spTree>
+    <p:extLst>
+      <p:ext uri="{BB962C8B-B14F-4D97-AF65-F5344CB8AC3E}">
+        <p14:creationId xmlns:p14="http://schemas.microsoft.com/office/powerpoint/2010/main" val="4005050848"/>
+      </p:ext>
+    </p:extLst>
+  </p:cSld>
+  <p:clrMapOvr>
+    <a:masterClrMapping/>
+  </p:clrMapOvr>
+</p:notes>
+</file>
+
 <file path=ppt/notesSlides/notesSlide2.xml><?xml version="1.0" encoding="utf-8"?>
 <p:notes xmlns:a="http://schemas.openxmlformats.org/drawingml/2006/main" xmlns:r="http://schemas.openxmlformats.org/officeDocument/2006/relationships" xmlns:p="http://schemas.openxmlformats.org/presentationml/2006/main">
   <p:cSld>
@@ -5065,18 +5150,6 @@
           <a:bodyPr/>
           <a:lstStyle/>
           <a:p>
-            <a:r>
-              <a:rPr lang="fr-FR" dirty="0" smtClean="0"/>
-              <a:t>De recenser les flux entrants et sortants……….. Suite à la définition de</a:t>
-            </a:r>
-            <a:r>
-              <a:rPr lang="fr-FR" baseline="0" dirty="0" smtClean="0"/>
-              <a:t> ces flux, </a:t>
-            </a:r>
-            <a:r>
-              <a:rPr lang="fr-FR" dirty="0" smtClean="0"/>
-              <a:t> </a:t>
-            </a:r>
             <a:endParaRPr lang="fr-FR" dirty="0"/>
           </a:p>
         </p:txBody>
@@ -5107,7 +5180,7 @@
     </p:spTree>
     <p:extLst>
       <p:ext uri="{BB962C8B-B14F-4D97-AF65-F5344CB8AC3E}">
-        <p14:creationId xmlns:p14="http://schemas.microsoft.com/office/powerpoint/2010/main" val="4283370819"/>
+        <p14:creationId xmlns:p14="http://schemas.microsoft.com/office/powerpoint/2010/main" val="462884169"/>
       </p:ext>
     </p:extLst>
   </p:cSld>
@@ -5191,7 +5264,7 @@
     </p:spTree>
     <p:extLst>
       <p:ext uri="{BB962C8B-B14F-4D97-AF65-F5344CB8AC3E}">
-        <p14:creationId xmlns:p14="http://schemas.microsoft.com/office/powerpoint/2010/main" val="4005050848"/>
+        <p14:creationId xmlns:p14="http://schemas.microsoft.com/office/powerpoint/2010/main" val="4283370819"/>
       </p:ext>
     </p:extLst>
   </p:cSld>
@@ -5332,7 +5405,7 @@
           <a:p>
             <a:fld id="{71A8E7BC-E365-4DBA-8850-D8B63B77AFF3}" type="datetime1">
               <a:rPr lang="fr-FR" smtClean="0"/>
-              <a:t>02/12/2022</a:t>
+              <a:t>03/12/2022</a:t>
             </a:fld>
             <a:endParaRPr lang="fr-FR"/>
           </a:p>
@@ -5506,7 +5579,7 @@
           <a:p>
             <a:fld id="{FE97C65B-DA8A-4339-BFB4-8B844B940EE9}" type="datetime1">
               <a:rPr lang="fr-FR" smtClean="0"/>
-              <a:t>02/12/2022</a:t>
+              <a:t>03/12/2022</a:t>
             </a:fld>
             <a:endParaRPr lang="fr-FR"/>
           </a:p>
@@ -5690,7 +5763,7 @@
           <a:p>
             <a:fld id="{0AFB968F-4516-42BB-96AE-3C9470806C09}" type="datetime1">
               <a:rPr lang="fr-FR" smtClean="0"/>
-              <a:t>02/12/2022</a:t>
+              <a:t>03/12/2022</a:t>
             </a:fld>
             <a:endParaRPr lang="fr-FR"/>
           </a:p>
@@ -5864,7 +5937,7 @@
           <a:p>
             <a:fld id="{16A66910-1DB4-4020-82B9-EBD353884CEE}" type="datetime1">
               <a:rPr lang="fr-FR" smtClean="0"/>
-              <a:t>02/12/2022</a:t>
+              <a:t>03/12/2022</a:t>
             </a:fld>
             <a:endParaRPr lang="fr-FR"/>
           </a:p>
@@ -6114,7 +6187,7 @@
           <a:p>
             <a:fld id="{6BA89060-C93A-4C31-B58D-430054AA8835}" type="datetime1">
               <a:rPr lang="fr-FR" smtClean="0"/>
-              <a:t>02/12/2022</a:t>
+              <a:t>03/12/2022</a:t>
             </a:fld>
             <a:endParaRPr lang="fr-FR"/>
           </a:p>
@@ -6350,7 +6423,7 @@
           <a:p>
             <a:fld id="{CC7E3CC1-9335-427B-B27C-BBD5DC660EE9}" type="datetime1">
               <a:rPr lang="fr-FR" smtClean="0"/>
-              <a:t>02/12/2022</a:t>
+              <a:t>03/12/2022</a:t>
             </a:fld>
             <a:endParaRPr lang="fr-FR"/>
           </a:p>
@@ -6721,7 +6794,7 @@
           <a:p>
             <a:fld id="{E1B16CA0-D5F5-442B-BF24-79AFD9F2046D}" type="datetime1">
               <a:rPr lang="fr-FR" smtClean="0"/>
-              <a:t>02/12/2022</a:t>
+              <a:t>03/12/2022</a:t>
             </a:fld>
             <a:endParaRPr lang="fr-FR"/>
           </a:p>
@@ -6843,7 +6916,7 @@
           <a:p>
             <a:fld id="{69C4096C-B4C9-44DD-81B6-7533BD4C07B8}" type="datetime1">
               <a:rPr lang="fr-FR" smtClean="0"/>
-              <a:t>02/12/2022</a:t>
+              <a:t>03/12/2022</a:t>
             </a:fld>
             <a:endParaRPr lang="fr-FR"/>
           </a:p>
@@ -6942,7 +7015,7 @@
           <a:p>
             <a:fld id="{414A1DED-293A-4B41-9207-2B84713DA0C2}" type="datetime1">
               <a:rPr lang="fr-FR" smtClean="0"/>
-              <a:t>02/12/2022</a:t>
+              <a:t>03/12/2022</a:t>
             </a:fld>
             <a:endParaRPr lang="fr-FR"/>
           </a:p>
@@ -7223,7 +7296,7 @@
           <a:p>
             <a:fld id="{44D40653-4CD7-4CF9-B247-76F70D44CF0A}" type="datetime1">
               <a:rPr lang="fr-FR" smtClean="0"/>
-              <a:t>02/12/2022</a:t>
+              <a:t>03/12/2022</a:t>
             </a:fld>
             <a:endParaRPr lang="fr-FR"/>
           </a:p>
@@ -7480,7 +7553,7 @@
           <a:p>
             <a:fld id="{442E659A-E43E-4A3C-93AB-AD9AF98F9863}" type="datetime1">
               <a:rPr lang="fr-FR" smtClean="0"/>
-              <a:t>02/12/2022</a:t>
+              <a:t>03/12/2022</a:t>
             </a:fld>
             <a:endParaRPr lang="fr-FR"/>
           </a:p>
@@ -7697,7 +7770,7 @@
           <a:p>
             <a:fld id="{4B6DFCD9-5EC7-4914-937C-61CCBCD5367E}" type="datetime1">
               <a:rPr lang="fr-FR" smtClean="0"/>
-              <a:t>02/12/2022</a:t>
+              <a:t>03/12/2022</a:t>
             </a:fld>
             <a:endParaRPr lang="fr-FR"/>
           </a:p>
@@ -8142,17 +8215,7 @@
                 <a:latin typeface="Times New Roman" panose="02020603050405020304" pitchFamily="18" charset="0"/>
                 <a:cs typeface="Times New Roman" panose="02020603050405020304" pitchFamily="18" charset="0"/>
               </a:rPr>
-              <a:t>ABC Group </a:t>
-            </a:r>
-            <a:r>
-              <a:rPr lang="fr-FR" sz="4800" b="1" dirty="0" smtClean="0">
-                <a:solidFill>
-                  <a:schemeClr val="accent5"/>
-                </a:solidFill>
-                <a:latin typeface="Times New Roman" panose="02020603050405020304" pitchFamily="18" charset="0"/>
-                <a:cs typeface="Times New Roman" panose="02020603050405020304" pitchFamily="18" charset="0"/>
-              </a:rPr>
-              <a:t>L</a:t>
+              <a:t>ABC Group L</a:t>
             </a:r>
             <a:endParaRPr lang="fr-FR" sz="4800" b="1" dirty="0">
               <a:solidFill>
@@ -8263,7 +8326,7 @@
       </p:grpSpPr>
       <p:sp>
         <p:nvSpPr>
-          <p:cNvPr id="4" name="Espace réservé du numéro de diapositive 3"/>
+          <p:cNvPr id="3" name="Espace réservé du numéro de diapositive 2"/>
           <p:cNvSpPr>
             <a:spLocks noGrp="1"/>
           </p:cNvSpPr>
@@ -8285,6 +8348,175 @@
                 <a:cs typeface="Times New Roman" panose="02020603050405020304" pitchFamily="18" charset="0"/>
               </a:rPr>
               <a:t>10</a:t>
+            </a:fld>
+            <a:endParaRPr lang="fr-FR" b="1" dirty="0">
+              <a:solidFill>
+                <a:schemeClr val="tx1"/>
+              </a:solidFill>
+              <a:latin typeface="Times New Roman" panose="02020603050405020304" pitchFamily="18" charset="0"/>
+              <a:cs typeface="Times New Roman" panose="02020603050405020304" pitchFamily="18" charset="0"/>
+            </a:endParaRPr>
+          </a:p>
+        </p:txBody>
+      </p:sp>
+      <p:sp>
+        <p:nvSpPr>
+          <p:cNvPr id="5" name="ZoneTexte 4"/>
+          <p:cNvSpPr txBox="1"/>
+          <p:nvPr/>
+        </p:nvSpPr>
+        <p:spPr>
+          <a:xfrm>
+            <a:off x="1" y="0"/>
+            <a:ext cx="12191999" cy="646331"/>
+          </a:xfrm>
+          <a:prstGeom prst="rect">
+            <a:avLst/>
+          </a:prstGeom>
+          <a:solidFill>
+            <a:schemeClr val="accent5"/>
+          </a:solidFill>
+        </p:spPr>
+        <p:txBody>
+          <a:bodyPr wrap="square" rtlCol="0">
+            <a:spAutoFit/>
+          </a:bodyPr>
+          <a:lstStyle/>
+          <a:p>
+            <a:pPr lvl="0" algn="ctr"/>
+            <a:r>
+              <a:rPr lang="fr-FR" sz="3600" b="1" dirty="0" smtClean="0">
+                <a:solidFill>
+                  <a:schemeClr val="bg1"/>
+                </a:solidFill>
+                <a:latin typeface="Times New Roman" panose="02020603050405020304" pitchFamily="18" charset="0"/>
+                <a:cs typeface="Times New Roman" panose="02020603050405020304" pitchFamily="18" charset="0"/>
+              </a:rPr>
+              <a:t>CONCLUSION</a:t>
+            </a:r>
+            <a:endParaRPr lang="fr-FR" sz="3600" b="1" dirty="0">
+              <a:solidFill>
+                <a:schemeClr val="bg1"/>
+              </a:solidFill>
+            </a:endParaRPr>
+          </a:p>
+        </p:txBody>
+      </p:sp>
+      <p:sp>
+        <p:nvSpPr>
+          <p:cNvPr id="32" name="ZoneTexte 31"/>
+          <p:cNvSpPr txBox="1"/>
+          <p:nvPr/>
+        </p:nvSpPr>
+        <p:spPr>
+          <a:xfrm>
+            <a:off x="890336" y="1641424"/>
+            <a:ext cx="10411327" cy="3539430"/>
+          </a:xfrm>
+          <a:prstGeom prst="rect">
+            <a:avLst/>
+          </a:prstGeom>
+          <a:noFill/>
+          <a:ln>
+            <a:noFill/>
+          </a:ln>
+        </p:spPr>
+        <p:txBody>
+          <a:bodyPr wrap="square" rtlCol="0">
+            <a:spAutoFit/>
+          </a:bodyPr>
+          <a:lstStyle/>
+          <a:p>
+            <a:pPr algn="just"/>
+            <a:r>
+              <a:rPr lang="en-US" sz="3200" dirty="0">
+                <a:latin typeface="Times New Roman" panose="02020603050405020304" pitchFamily="18" charset="0"/>
+                <a:cs typeface="Times New Roman" panose="02020603050405020304" pitchFamily="18" charset="0"/>
+              </a:rPr>
+              <a:t>The work done is far from being a perfect product without reproach. However, it has the merit to bring a solution to the problem which is the confidentiality. The </a:t>
+            </a:r>
+            <a:r>
+              <a:rPr lang="en-US" sz="3200" dirty="0" err="1">
+                <a:latin typeface="Times New Roman" panose="02020603050405020304" pitchFamily="18" charset="0"/>
+                <a:cs typeface="Times New Roman" panose="02020603050405020304" pitchFamily="18" charset="0"/>
+              </a:rPr>
+              <a:t>blockchain</a:t>
+            </a:r>
+            <a:r>
+              <a:rPr lang="en-US" sz="3200" dirty="0">
+                <a:latin typeface="Times New Roman" panose="02020603050405020304" pitchFamily="18" charset="0"/>
+                <a:cs typeface="Times New Roman" panose="02020603050405020304" pitchFamily="18" charset="0"/>
+              </a:rPr>
+              <a:t> being an open register and totally accessible to everyone, a perspective of improvement would be to encrypt the messages exchanged through the smart contract so that only the members of the group can decrypt them using a private key.</a:t>
+            </a:r>
+            <a:endParaRPr lang="fr-FR" sz="3200" dirty="0" smtClean="0">
+              <a:latin typeface="Times New Roman" panose="02020603050405020304" pitchFamily="18" charset="0"/>
+              <a:cs typeface="Times New Roman" panose="02020603050405020304" pitchFamily="18" charset="0"/>
+            </a:endParaRPr>
+          </a:p>
+        </p:txBody>
+      </p:sp>
+    </p:spTree>
+    <p:extLst>
+      <p:ext uri="{BB962C8B-B14F-4D97-AF65-F5344CB8AC3E}">
+        <p14:creationId xmlns:p14="http://schemas.microsoft.com/office/powerpoint/2010/main" val="3057041255"/>
+      </p:ext>
+    </p:extLst>
+  </p:cSld>
+  <p:clrMapOvr>
+    <a:masterClrMapping/>
+  </p:clrMapOvr>
+  <p:timing>
+    <p:tnLst>
+      <p:par>
+        <p:cTn id="1" dur="indefinite" restart="never" nodeType="tmRoot"/>
+      </p:par>
+    </p:tnLst>
+  </p:timing>
+</p:sld>
+</file>
+
+<file path=ppt/slides/slide11.xml><?xml version="1.0" encoding="utf-8"?>
+<p:sld xmlns:a="http://schemas.openxmlformats.org/drawingml/2006/main" xmlns:r="http://schemas.openxmlformats.org/officeDocument/2006/relationships" xmlns:p="http://schemas.openxmlformats.org/presentationml/2006/main">
+  <p:cSld>
+    <p:spTree>
+      <p:nvGrpSpPr>
+        <p:cNvPr id="1" name=""/>
+        <p:cNvGrpSpPr/>
+        <p:nvPr/>
+      </p:nvGrpSpPr>
+      <p:grpSpPr>
+        <a:xfrm>
+          <a:off x="0" y="0"/>
+          <a:ext cx="0" cy="0"/>
+          <a:chOff x="0" y="0"/>
+          <a:chExt cx="0" cy="0"/>
+        </a:xfrm>
+      </p:grpSpPr>
+      <p:sp>
+        <p:nvSpPr>
+          <p:cNvPr id="4" name="Espace réservé du numéro de diapositive 3"/>
+          <p:cNvSpPr>
+            <a:spLocks noGrp="1"/>
+          </p:cNvSpPr>
+          <p:nvPr>
+            <p:ph type="sldNum" sz="quarter" idx="12"/>
+          </p:nvPr>
+        </p:nvSpPr>
+        <p:spPr/>
+        <p:txBody>
+          <a:bodyPr/>
+          <a:lstStyle/>
+          <a:p>
+            <a:fld id="{8433DDCE-42C9-43DB-A0AB-BD20FCA2C71D}" type="slidenum">
+              <a:rPr lang="fr-FR" b="1" smtClean="0">
+                <a:solidFill>
+                  <a:schemeClr val="tx1"/>
+                </a:solidFill>
+                <a:latin typeface="Times New Roman" panose="02020603050405020304" pitchFamily="18" charset="0"/>
+                <a:cs typeface="Times New Roman" panose="02020603050405020304" pitchFamily="18" charset="0"/>
+              </a:rPr>
+              <a:t>11</a:t>
             </a:fld>
             <a:endParaRPr lang="fr-FR" b="1" dirty="0">
               <a:solidFill>
@@ -8587,17 +8819,7 @@
                 <a:latin typeface="Times New Roman" panose="02020603050405020304" pitchFamily="18" charset="0"/>
                 <a:cs typeface="Times New Roman" panose="02020603050405020304" pitchFamily="18" charset="0"/>
               </a:rPr>
-              <a:t> </a:t>
-            </a:r>
-            <a:r>
-              <a:rPr lang="fr-FR" sz="3200" b="1" i="1" dirty="0" smtClean="0">
-                <a:solidFill>
-                  <a:schemeClr val="bg1"/>
-                </a:solidFill>
-                <a:latin typeface="Times New Roman" panose="02020603050405020304" pitchFamily="18" charset="0"/>
-                <a:cs typeface="Times New Roman" panose="02020603050405020304" pitchFamily="18" charset="0"/>
-              </a:rPr>
-              <a:t>Messaging</a:t>
+              <a:t> Messaging</a:t>
             </a:r>
             <a:endParaRPr lang="fr-FR" sz="3200" b="1" i="1" dirty="0">
               <a:solidFill>
@@ -8695,7 +8917,34 @@
                 <a:ea typeface="Calibri" panose="020F0502020204030204" pitchFamily="34" charset="0"/>
                 <a:cs typeface="Times New Roman" panose="02020603050405020304" pitchFamily="18" charset="0"/>
               </a:rPr>
-              <a:t>Isaac GAHOU</a:t>
+              <a:t>Isaac </a:t>
+            </a:r>
+            <a:r>
+              <a:rPr lang="fr-FR" b="1" dirty="0" smtClean="0">
+                <a:effectLst/>
+                <a:latin typeface="Times New Roman" panose="02020603050405020304" pitchFamily="18" charset="0"/>
+                <a:ea typeface="Calibri" panose="020F0502020204030204" pitchFamily="34" charset="0"/>
+                <a:cs typeface="Times New Roman" panose="02020603050405020304" pitchFamily="18" charset="0"/>
+              </a:rPr>
+              <a:t>GAHOU (</a:t>
+            </a:r>
+            <a:r>
+              <a:rPr lang="fr-FR" b="1" dirty="0" err="1" smtClean="0">
+                <a:effectLst/>
+                <a:latin typeface="Times New Roman" panose="02020603050405020304" pitchFamily="18" charset="0"/>
+                <a:ea typeface="Calibri" panose="020F0502020204030204" pitchFamily="34" charset="0"/>
+                <a:cs typeface="Times New Roman" panose="02020603050405020304" pitchFamily="18" charset="0"/>
+              </a:rPr>
+              <a:t>Captain</a:t>
+            </a:r>
+            <a:r>
+              <a:rPr lang="fr-FR" b="1" dirty="0" smtClean="0">
+                <a:effectLst/>
+                <a:latin typeface="Times New Roman" panose="02020603050405020304" pitchFamily="18" charset="0"/>
+                <a:ea typeface="Calibri" panose="020F0502020204030204" pitchFamily="34" charset="0"/>
+                <a:cs typeface="Times New Roman" panose="02020603050405020304" pitchFamily="18" charset="0"/>
+              </a:rPr>
+              <a:t>)</a:t>
             </a:r>
             <a:endParaRPr lang="fr-FR" dirty="0">
               <a:effectLst/>
@@ -8926,7 +9175,7 @@
           <p:nvPr>
             <p:extLst>
               <p:ext uri="{D42A27DB-BD31-4B8C-83A1-F6EECF244321}">
-                <p14:modId xmlns:p14="http://schemas.microsoft.com/office/powerpoint/2010/main" val="821861665"/>
+                <p14:modId xmlns:p14="http://schemas.microsoft.com/office/powerpoint/2010/main" val="456944496"/>
               </p:ext>
             </p:extLst>
           </p:nvPr>
@@ -9349,7 +9598,6 @@
               <a:rPr lang="en-US" sz="3600" dirty="0"/>
               <a:t> revolution brings solutions to many of life's problems. Among these solutions, we have the privacy. In this work, we propose to write a smart contract that goes in this direction and that will allow individuals to write in a channel that is common to them.</a:t>
             </a:r>
-            <a:endParaRPr lang="en-US" sz="3600" dirty="0"/>
           </a:p>
         </p:txBody>
       </p:sp>
@@ -9458,17 +9706,7 @@
                 <a:latin typeface="Times New Roman" panose="02020603050405020304" pitchFamily="18" charset="0"/>
                 <a:cs typeface="Times New Roman" panose="02020603050405020304" pitchFamily="18" charset="0"/>
               </a:rPr>
-              <a:t>PROPLEM </a:t>
-            </a:r>
-            <a:r>
-              <a:rPr lang="fr-FR" sz="3600" b="1" dirty="0" smtClean="0">
-                <a:solidFill>
-                  <a:schemeClr val="bg1"/>
-                </a:solidFill>
-                <a:latin typeface="Times New Roman" panose="02020603050405020304" pitchFamily="18" charset="0"/>
-                <a:cs typeface="Times New Roman" panose="02020603050405020304" pitchFamily="18" charset="0"/>
-              </a:rPr>
-              <a:t>STATEMENT</a:t>
+              <a:t>PROPLEM STATEMENT</a:t>
             </a:r>
             <a:endParaRPr lang="fr-FR" sz="3600" b="1" dirty="0">
               <a:solidFill>
@@ -9632,7 +9870,7 @@
                 <a:latin typeface="Times New Roman" panose="02020603050405020304" pitchFamily="18" charset="0"/>
                 <a:cs typeface="Times New Roman" panose="02020603050405020304" pitchFamily="18" charset="0"/>
               </a:rPr>
-              <a:t>SOLUTION(1/2)</a:t>
+              <a:t>SOLUTION(1/3)</a:t>
             </a:r>
             <a:endParaRPr lang="fr-FR" sz="3600" b="1" dirty="0">
               <a:solidFill>
@@ -9672,7 +9910,28 @@
                 <a:latin typeface="Times New Roman" panose="02020603050405020304" pitchFamily="18" charset="0"/>
                 <a:cs typeface="Times New Roman" panose="02020603050405020304" pitchFamily="18" charset="0"/>
               </a:rPr>
-              <a:t>The  job is a discussion channel. Individual members can add a new member if three of them vote for it. Likewise, any member can be banned if three different members vote for his exclusion. Only members of the group (family) can write and read the conversations of the group. All messages are visible to all members.</a:t>
+              <a:t>The  job is a discussion channel. Individual members can add a new member if three of them vote for it. Likewise, any member can be banned if three different members vote for his exclusion. Only members of the group (family) can write and read the conversations of the group. All messages are </a:t>
+            </a:r>
+            <a:r>
+              <a:rPr lang="en-US" sz="3200" dirty="0" err="1" smtClean="0">
+                <a:latin typeface="Times New Roman" panose="02020603050405020304" pitchFamily="18" charset="0"/>
+                <a:cs typeface="Times New Roman" panose="02020603050405020304" pitchFamily="18" charset="0"/>
+              </a:rPr>
+              <a:t>visibles</a:t>
+            </a:r>
+            <a:r>
+              <a:rPr lang="en-US" sz="3200" dirty="0" smtClean="0">
+                <a:latin typeface="Times New Roman" panose="02020603050405020304" pitchFamily="18" charset="0"/>
+                <a:cs typeface="Times New Roman" panose="02020603050405020304" pitchFamily="18" charset="0"/>
+              </a:rPr>
+              <a:t> </a:t>
+            </a:r>
+            <a:r>
+              <a:rPr lang="en-US" sz="3200" dirty="0">
+                <a:latin typeface="Times New Roman" panose="02020603050405020304" pitchFamily="18" charset="0"/>
+                <a:cs typeface="Times New Roman" panose="02020603050405020304" pitchFamily="18" charset="0"/>
+              </a:rPr>
+              <a:t>to all members.</a:t>
             </a:r>
             <a:endParaRPr lang="fr-FR" sz="3200" dirty="0">
               <a:latin typeface="Times New Roman" panose="02020603050405020304" pitchFamily="18" charset="0"/>
@@ -9796,7 +10055,7 @@
                 <a:latin typeface="Times New Roman" panose="02020603050405020304" pitchFamily="18" charset="0"/>
                 <a:cs typeface="Times New Roman" panose="02020603050405020304" pitchFamily="18" charset="0"/>
               </a:rPr>
-              <a:t>SOLUTION(2/2)</a:t>
+              <a:t>SOLUTION(2/3)</a:t>
             </a:r>
             <a:endParaRPr lang="fr-FR" sz="3600" b="1" dirty="0">
               <a:solidFill>
@@ -9830,6 +10089,7 @@
           </a:bodyPr>
           <a:lstStyle/>
           <a:p>
+            <a:pPr algn="just"/>
             <a:r>
               <a:rPr lang="en-US" sz="3600" dirty="0">
                 <a:latin typeface="Times New Roman" panose="02020603050405020304" pitchFamily="18" charset="0"/>
@@ -9910,7 +10170,7 @@
       </p:grpSpPr>
       <p:sp>
         <p:nvSpPr>
-          <p:cNvPr id="5" name="Espace réservé du numéro de diapositive 4"/>
+          <p:cNvPr id="4" name="Espace réservé du numéro de diapositive 3"/>
           <p:cNvSpPr>
             <a:spLocks noGrp="1"/>
           </p:cNvSpPr>
@@ -9945,7 +10205,7 @@
       </p:sp>
       <p:sp>
         <p:nvSpPr>
-          <p:cNvPr id="6" name="ZoneTexte 5"/>
+          <p:cNvPr id="5" name="ZoneTexte 4"/>
           <p:cNvSpPr txBox="1"/>
           <p:nvPr/>
         </p:nvSpPr>
@@ -9967,7 +10227,7 @@
           </a:bodyPr>
           <a:lstStyle/>
           <a:p>
-            <a:pPr lvl="0" algn="ctr"/>
+            <a:pPr algn="ctr"/>
             <a:r>
               <a:rPr lang="fr-FR" sz="3600" b="1" dirty="0" smtClean="0">
                 <a:solidFill>
@@ -9976,7 +10236,7 @@
                 <a:latin typeface="Times New Roman" panose="02020603050405020304" pitchFamily="18" charset="0"/>
                 <a:cs typeface="Times New Roman" panose="02020603050405020304" pitchFamily="18" charset="0"/>
               </a:rPr>
-              <a:t>USED </a:t>
+              <a:t>PROPOSED </a:t>
             </a:r>
             <a:r>
               <a:rPr lang="fr-FR" sz="3600" b="1" dirty="0" smtClean="0">
@@ -9986,29 +10246,21 @@
                 <a:latin typeface="Times New Roman" panose="02020603050405020304" pitchFamily="18" charset="0"/>
                 <a:cs typeface="Times New Roman" panose="02020603050405020304" pitchFamily="18" charset="0"/>
               </a:rPr>
-              <a:t>CASES </a:t>
-            </a:r>
-            <a:r>
-              <a:rPr lang="fr-FR" sz="3600" b="1" dirty="0" smtClean="0">
-                <a:solidFill>
-                  <a:schemeClr val="bg1"/>
-                </a:solidFill>
-                <a:latin typeface="Times New Roman" panose="02020603050405020304" pitchFamily="18" charset="0"/>
-                <a:cs typeface="Times New Roman" panose="02020603050405020304" pitchFamily="18" charset="0"/>
-              </a:rPr>
-              <a:t>OF SOLUTION</a:t>
+              <a:t>SOLUTION(3/3)</a:t>
             </a:r>
             <a:endParaRPr lang="fr-FR" sz="3600" b="1" dirty="0">
               <a:solidFill>
                 <a:schemeClr val="bg1"/>
               </a:solidFill>
+              <a:latin typeface="Times New Roman" panose="02020603050405020304" pitchFamily="18" charset="0"/>
+              <a:cs typeface="Times New Roman" panose="02020603050405020304" pitchFamily="18" charset="0"/>
             </a:endParaRPr>
           </a:p>
         </p:txBody>
       </p:sp>
       <p:sp>
         <p:nvSpPr>
-          <p:cNvPr id="10" name="Titre 9"/>
+          <p:cNvPr id="6" name="Titre 9"/>
           <p:cNvSpPr>
             <a:spLocks noGrp="1"/>
           </p:cNvSpPr>
@@ -10018,8 +10270,8 @@
         </p:nvSpPr>
         <p:spPr>
           <a:xfrm>
-            <a:off x="838200" y="906488"/>
-            <a:ext cx="10515600" cy="5331025"/>
+            <a:off x="838200" y="842320"/>
+            <a:ext cx="10515600" cy="5068623"/>
           </a:xfrm>
         </p:spPr>
         <p:txBody>
@@ -10028,26 +10280,82 @@
           </a:bodyPr>
           <a:lstStyle/>
           <a:p>
-            <a:r>
-              <a:rPr lang="fr-FR" sz="2400" dirty="0" smtClean="0">
-                <a:latin typeface="Times New Roman" panose="02020603050405020304" pitchFamily="18" charset="0"/>
-                <a:cs typeface="Times New Roman" panose="02020603050405020304" pitchFamily="18" charset="0"/>
-              </a:rPr>
-              <a:t>- </a:t>
-            </a:r>
+            <a:pPr algn="just"/>
             <a:r>
               <a:rPr lang="en-US" sz="2400" dirty="0">
                 <a:latin typeface="Times New Roman" panose="02020603050405020304" pitchFamily="18" charset="0"/>
                 <a:cs typeface="Times New Roman" panose="02020603050405020304" pitchFamily="18" charset="0"/>
               </a:rPr>
-              <a:t>Discussion in a </a:t>
+              <a:t>For this work, three addresses have been added to the group at the launch of the contract through the constructor function of Solidity. These three addresses written in the file </a:t>
             </a:r>
             <a:r>
               <a:rPr lang="en-US" sz="2400" dirty="0" smtClean="0">
                 <a:latin typeface="Times New Roman" panose="02020603050405020304" pitchFamily="18" charset="0"/>
                 <a:cs typeface="Times New Roman" panose="02020603050405020304" pitchFamily="18" charset="0"/>
               </a:rPr>
-              <a:t>family</a:t>
+              <a:t>"idex.js" </a:t>
+            </a:r>
+            <a:r>
+              <a:rPr lang="en-US" sz="2400" dirty="0">
+                <a:latin typeface="Times New Roman" panose="02020603050405020304" pitchFamily="18" charset="0"/>
+                <a:cs typeface="Times New Roman" panose="02020603050405020304" pitchFamily="18" charset="0"/>
+              </a:rPr>
+              <a:t>accessible following the path </a:t>
+            </a:r>
+            <a:r>
+              <a:rPr lang="en-US" sz="2400" dirty="0" smtClean="0">
+                <a:latin typeface="Times New Roman" panose="02020603050405020304" pitchFamily="18" charset="0"/>
+                <a:cs typeface="Times New Roman" panose="02020603050405020304" pitchFamily="18" charset="0"/>
+              </a:rPr>
+              <a:t>"../hardhat/constants/index.js". </a:t>
+            </a:r>
+            <a:r>
+              <a:rPr lang="en-US" sz="2400" dirty="0">
+                <a:latin typeface="Times New Roman" panose="02020603050405020304" pitchFamily="18" charset="0"/>
+                <a:cs typeface="Times New Roman" panose="02020603050405020304" pitchFamily="18" charset="0"/>
+              </a:rPr>
+              <a:t>During the tests, it will be possible to deploy again the contract by modifying these three addresses. The contract deployed for our tests is at the </a:t>
+            </a:r>
+            <a:r>
+              <a:rPr lang="en-US" sz="2400" dirty="0" smtClean="0">
+                <a:latin typeface="Times New Roman" panose="02020603050405020304" pitchFamily="18" charset="0"/>
+                <a:cs typeface="Times New Roman" panose="02020603050405020304" pitchFamily="18" charset="0"/>
+              </a:rPr>
+              <a:t>address on </a:t>
+            </a:r>
+            <a:r>
+              <a:rPr lang="en-US" sz="2400" dirty="0" err="1" smtClean="0">
+                <a:latin typeface="Times New Roman" panose="02020603050405020304" pitchFamily="18" charset="0"/>
+                <a:cs typeface="Times New Roman" panose="02020603050405020304" pitchFamily="18" charset="0"/>
+              </a:rPr>
+              <a:t>goerli</a:t>
+            </a:r>
+            <a:r>
+              <a:rPr lang="en-US" sz="2400" dirty="0" smtClean="0">
+                <a:latin typeface="Times New Roman" panose="02020603050405020304" pitchFamily="18" charset="0"/>
+                <a:cs typeface="Times New Roman" panose="02020603050405020304" pitchFamily="18" charset="0"/>
+              </a:rPr>
+              <a:t>: “</a:t>
+            </a:r>
+            <a:r>
+              <a:rPr lang="en-US" sz="2400" b="1" dirty="0" smtClean="0">
+                <a:latin typeface="Times New Roman" panose="02020603050405020304" pitchFamily="18" charset="0"/>
+                <a:cs typeface="Times New Roman" panose="02020603050405020304" pitchFamily="18" charset="0"/>
+              </a:rPr>
+              <a:t>0xB63c8806B1108775e34dB491cabd7361c346855a”</a:t>
+            </a:r>
+            <a:br>
+              <a:rPr lang="en-US" sz="2400" b="1" dirty="0" smtClean="0">
+                <a:latin typeface="Times New Roman" panose="02020603050405020304" pitchFamily="18" charset="0"/>
+                <a:cs typeface="Times New Roman" panose="02020603050405020304" pitchFamily="18" charset="0"/>
+              </a:rPr>
+            </a:br>
+            <a:r>
+              <a:rPr lang="en-US" sz="2400" dirty="0" smtClean="0">
+                <a:latin typeface="Times New Roman" panose="02020603050405020304" pitchFamily="18" charset="0"/>
+                <a:cs typeface="Times New Roman" panose="02020603050405020304" pitchFamily="18" charset="0"/>
+              </a:rPr>
+              <a:t/>
             </a:r>
             <a:br>
               <a:rPr lang="en-US" sz="2400" dirty="0" smtClean="0">
@@ -10060,15 +10368,55 @@
                 <a:latin typeface="Times New Roman" panose="02020603050405020304" pitchFamily="18" charset="0"/>
                 <a:cs typeface="Times New Roman" panose="02020603050405020304" pitchFamily="18" charset="0"/>
               </a:rPr>
-              <a:t>- Confidential </a:t>
+              <a:t> </a:t>
             </a:r>
             <a:r>
               <a:rPr lang="en-US" sz="2400" dirty="0">
                 <a:latin typeface="Times New Roman" panose="02020603050405020304" pitchFamily="18" charset="0"/>
                 <a:cs typeface="Times New Roman" panose="02020603050405020304" pitchFamily="18" charset="0"/>
               </a:rPr>
-              <a:t>work discussion</a:t>
-            </a:r>
+              <a:t>Also it will be possible to interact with the application through the following link</a:t>
+            </a:r>
+            <a:r>
+              <a:rPr lang="en-US" sz="2400" dirty="0" smtClean="0">
+                <a:latin typeface="Times New Roman" panose="02020603050405020304" pitchFamily="18" charset="0"/>
+                <a:cs typeface="Times New Roman" panose="02020603050405020304" pitchFamily="18" charset="0"/>
+              </a:rPr>
+              <a:t>:</a:t>
+            </a:r>
+            <a:r>
+              <a:rPr lang="fr-FR" sz="2400" dirty="0">
+                <a:latin typeface="Times New Roman" panose="02020603050405020304" pitchFamily="18" charset="0"/>
+                <a:cs typeface="Times New Roman" panose="02020603050405020304" pitchFamily="18" charset="0"/>
+              </a:rPr>
+              <a:t/>
+            </a:r>
+            <a:br>
+              <a:rPr lang="fr-FR" sz="2400" dirty="0">
+                <a:latin typeface="Times New Roman" panose="02020603050405020304" pitchFamily="18" charset="0"/>
+                <a:cs typeface="Times New Roman" panose="02020603050405020304" pitchFamily="18" charset="0"/>
+              </a:rPr>
+            </a:br>
+            <a:r>
+              <a:rPr lang="fr-FR" sz="2400" b="1" dirty="0">
+                <a:latin typeface="Times New Roman" panose="02020603050405020304" pitchFamily="18" charset="0"/>
+                <a:cs typeface="Times New Roman" panose="02020603050405020304" pitchFamily="18" charset="0"/>
+              </a:rPr>
+              <a:t>https://private-messaging.vercel.app/</a:t>
+            </a:r>
+            <a:r>
+              <a:rPr lang="fr-FR" sz="2400" dirty="0" smtClean="0">
+                <a:latin typeface="Times New Roman" panose="02020603050405020304" pitchFamily="18" charset="0"/>
+                <a:cs typeface="Times New Roman" panose="02020603050405020304" pitchFamily="18" charset="0"/>
+              </a:rPr>
+              <a:t/>
+            </a:r>
+            <a:br>
+              <a:rPr lang="fr-FR" sz="2400" dirty="0" smtClean="0">
+                <a:latin typeface="Times New Roman" panose="02020603050405020304" pitchFamily="18" charset="0"/>
+                <a:cs typeface="Times New Roman" panose="02020603050405020304" pitchFamily="18" charset="0"/>
+              </a:rPr>
+            </a:br>
             <a:endParaRPr lang="fr-FR" sz="2400" dirty="0">
               <a:latin typeface="Times New Roman" panose="02020603050405020304" pitchFamily="18" charset="0"/>
               <a:cs typeface="Times New Roman" panose="02020603050405020304" pitchFamily="18" charset="0"/>
@@ -10079,7 +10427,7 @@
     </p:spTree>
     <p:extLst>
       <p:ext uri="{BB962C8B-B14F-4D97-AF65-F5344CB8AC3E}">
-        <p14:creationId xmlns:p14="http://schemas.microsoft.com/office/powerpoint/2010/main" val="3664946204"/>
+        <p14:creationId xmlns:p14="http://schemas.microsoft.com/office/powerpoint/2010/main" val="753422273"/>
       </p:ext>
     </p:extLst>
   </p:cSld>
@@ -10115,7 +10463,7 @@
       </p:grpSpPr>
       <p:sp>
         <p:nvSpPr>
-          <p:cNvPr id="3" name="Espace réservé du numéro de diapositive 2"/>
+          <p:cNvPr id="5" name="Espace réservé du numéro de diapositive 4"/>
           <p:cNvSpPr>
             <a:spLocks noGrp="1"/>
           </p:cNvSpPr>
@@ -10150,7 +10498,7 @@
       </p:sp>
       <p:sp>
         <p:nvSpPr>
-          <p:cNvPr id="5" name="ZoneTexte 4"/>
+          <p:cNvPr id="6" name="ZoneTexte 5"/>
           <p:cNvSpPr txBox="1"/>
           <p:nvPr/>
         </p:nvSpPr>
@@ -10181,7 +10529,7 @@
                 <a:latin typeface="Times New Roman" panose="02020603050405020304" pitchFamily="18" charset="0"/>
                 <a:cs typeface="Times New Roman" panose="02020603050405020304" pitchFamily="18" charset="0"/>
               </a:rPr>
-              <a:t>CONCLUSION</a:t>
+              <a:t>USED CASES OF SOLUTION</a:t>
             </a:r>
             <a:endParaRPr lang="fr-FR" sz="3600" b="1" dirty="0">
               <a:solidFill>
@@ -10193,53 +10541,68 @@
       </p:sp>
       <p:sp>
         <p:nvSpPr>
-          <p:cNvPr id="32" name="ZoneTexte 31"/>
-          <p:cNvSpPr txBox="1"/>
-          <p:nvPr/>
+          <p:cNvPr id="10" name="Titre 9"/>
+          <p:cNvSpPr>
+            <a:spLocks noGrp="1"/>
+          </p:cNvSpPr>
+          <p:nvPr>
+            <p:ph type="title"/>
+          </p:nvPr>
         </p:nvSpPr>
         <p:spPr>
           <a:xfrm>
-            <a:off x="735906" y="2588482"/>
-            <a:ext cx="10411327" cy="1631216"/>
+            <a:off x="838200" y="906488"/>
+            <a:ext cx="10515600" cy="5331025"/>
           </a:xfrm>
-          <a:prstGeom prst="rect">
-            <a:avLst/>
-          </a:prstGeom>
-          <a:noFill/>
-          <a:ln>
-            <a:solidFill>
-              <a:schemeClr val="accent1"/>
-            </a:solidFill>
-          </a:ln>
         </p:spPr>
         <p:txBody>
-          <a:bodyPr wrap="square" rtlCol="0">
-            <a:spAutoFit/>
+          <a:bodyPr>
+            <a:normAutofit/>
           </a:bodyPr>
           <a:lstStyle/>
           <a:p>
             <a:r>
-              <a:rPr lang="en-US" sz="2000" dirty="0">
+              <a:rPr lang="fr-FR" sz="2400" dirty="0" smtClean="0">
                 <a:latin typeface="Times New Roman" panose="02020603050405020304" pitchFamily="18" charset="0"/>
                 <a:cs typeface="Times New Roman" panose="02020603050405020304" pitchFamily="18" charset="0"/>
               </a:rPr>
-              <a:t>The work done is far from being a perfect product without reproach. However, it has the merit to bring a solution to the problem which is the confidentiality. The </a:t>
-            </a:r>
-            <a:r>
-              <a:rPr lang="en-US" sz="2000" dirty="0" err="1">
+              <a:t>- </a:t>
+            </a:r>
+            <a:r>
+              <a:rPr lang="en-US" sz="2400" dirty="0">
                 <a:latin typeface="Times New Roman" panose="02020603050405020304" pitchFamily="18" charset="0"/>
                 <a:cs typeface="Times New Roman" panose="02020603050405020304" pitchFamily="18" charset="0"/>
               </a:rPr>
-              <a:t>blockchain</a:t>
-            </a:r>
-            <a:r>
-              <a:rPr lang="en-US" sz="2000" dirty="0">
+              <a:t>Discussion in a </a:t>
+            </a:r>
+            <a:r>
+              <a:rPr lang="en-US" sz="2400" dirty="0" smtClean="0">
                 <a:latin typeface="Times New Roman" panose="02020603050405020304" pitchFamily="18" charset="0"/>
                 <a:cs typeface="Times New Roman" panose="02020603050405020304" pitchFamily="18" charset="0"/>
               </a:rPr>
-              <a:t> being an open register and totally accessible to everyone, a perspective of improvement would be to encrypt the messages exchanged through the smart contract so that only the members of the group can decrypt them using a private key.</a:t>
-            </a:r>
-            <a:endParaRPr lang="fr-FR" sz="2000" dirty="0" smtClean="0">
+              <a:t>family</a:t>
+            </a:r>
+            <a:br>
+              <a:rPr lang="en-US" sz="2400" dirty="0" smtClean="0">
+                <a:latin typeface="Times New Roman" panose="02020603050405020304" pitchFamily="18" charset="0"/>
+                <a:cs typeface="Times New Roman" panose="02020603050405020304" pitchFamily="18" charset="0"/>
+              </a:rPr>
+            </a:br>
+            <a:r>
+              <a:rPr lang="en-US" sz="2400" dirty="0" smtClean="0">
+                <a:latin typeface="Times New Roman" panose="02020603050405020304" pitchFamily="18" charset="0"/>
+                <a:cs typeface="Times New Roman" panose="02020603050405020304" pitchFamily="18" charset="0"/>
+              </a:rPr>
+              <a:t>- Confidential </a:t>
+            </a:r>
+            <a:r>
+              <a:rPr lang="en-US" sz="2400" dirty="0">
+                <a:latin typeface="Times New Roman" panose="02020603050405020304" pitchFamily="18" charset="0"/>
+                <a:cs typeface="Times New Roman" panose="02020603050405020304" pitchFamily="18" charset="0"/>
+              </a:rPr>
+              <a:t>work discussion</a:t>
+            </a:r>
+            <a:endParaRPr lang="fr-FR" sz="2400" dirty="0">
               <a:latin typeface="Times New Roman" panose="02020603050405020304" pitchFamily="18" charset="0"/>
               <a:cs typeface="Times New Roman" panose="02020603050405020304" pitchFamily="18" charset="0"/>
             </a:endParaRPr>
@@ -10249,7 +10612,7 @@
     </p:spTree>
     <p:extLst>
       <p:ext uri="{BB962C8B-B14F-4D97-AF65-F5344CB8AC3E}">
-        <p14:creationId xmlns:p14="http://schemas.microsoft.com/office/powerpoint/2010/main" val="3057041255"/>
+        <p14:creationId xmlns:p14="http://schemas.microsoft.com/office/powerpoint/2010/main" val="3664946204"/>
       </p:ext>
     </p:extLst>
   </p:cSld>
